--- a/Docs/Slides_HospitAll.pptx
+++ b/Docs/Slides_HospitAll.pptx
@@ -19,23 +19,24 @@
     <p:sldId id="264" r:id="rId14"/>
     <p:sldId id="265" r:id="rId15"/>
     <p:sldId id="266" r:id="rId16"/>
+    <p:sldId id="267" r:id="rId17"/>
   </p:sldIdLst>
   <p:sldSz cy="6858000" cx="9144000"/>
   <p:notesSz cx="6796075" cy="9925050"/>
   <p:embeddedFontLst>
     <p:embeddedFont>
       <p:font typeface="Corbel"/>
-      <p:regular r:id="rId17"/>
-      <p:bold r:id="rId18"/>
-      <p:italic r:id="rId19"/>
-      <p:boldItalic r:id="rId20"/>
+      <p:regular r:id="rId18"/>
+      <p:bold r:id="rId19"/>
+      <p:italic r:id="rId20"/>
+      <p:boldItalic r:id="rId21"/>
     </p:embeddedFont>
     <p:embeddedFont>
       <p:font typeface="Roboto Mono"/>
-      <p:regular r:id="rId21"/>
-      <p:bold r:id="rId22"/>
-      <p:italic r:id="rId23"/>
-      <p:boldItalic r:id="rId24"/>
+      <p:regular r:id="rId22"/>
+      <p:bold r:id="rId23"/>
+      <p:italic r:id="rId24"/>
+      <p:boldItalic r:id="rId25"/>
     </p:embeddedFont>
   </p:embeddedFontLst>
   <p:defaultTextStyle>
@@ -1460,7 +1461,114 @@
       </p:grpSpPr>
       <p:sp>
         <p:nvSpPr>
-          <p:cNvPr id="152" name="Google Shape;152;p9:notes"/>
+          <p:cNvPr id="152" name="Google Shape;152;g3628aae6b8b_0_1:notes"/>
+          <p:cNvSpPr txBox="1"/>
+          <p:nvPr>
+            <p:ph idx="1" type="body"/>
+          </p:nvPr>
+        </p:nvSpPr>
+        <p:spPr>
+          <a:xfrm>
+            <a:off x="679450" y="4776787"/>
+            <a:ext cx="5437200" cy="3908400"/>
+          </a:xfrm>
+          <a:prstGeom prst="rect">
+            <a:avLst/>
+          </a:prstGeom>
+          <a:noFill/>
+          <a:ln>
+            <a:noFill/>
+          </a:ln>
+        </p:spPr>
+        <p:txBody>
+          <a:bodyPr anchorCtr="0" anchor="t" bIns="45700" lIns="91425" spcFirstLastPara="1" rIns="91425" wrap="square" tIns="45700">
+            <a:noAutofit/>
+          </a:bodyPr>
+          <a:lstStyle/>
+          <a:p>
+            <a:pPr indent="0" lvl="0" marL="0" rtl="0" algn="l">
+              <a:spcBef>
+                <a:spcPts val="0"/>
+              </a:spcBef>
+              <a:spcAft>
+                <a:spcPts val="0"/>
+              </a:spcAft>
+              <a:buNone/>
+            </a:pPr>
+            <a:r>
+              <a:t/>
+            </a:r>
+            <a:endParaRPr/>
+          </a:p>
+        </p:txBody>
+      </p:sp>
+      <p:sp>
+        <p:nvSpPr>
+          <p:cNvPr id="153" name="Google Shape;153;g3628aae6b8b_0_1:notes"/>
+          <p:cNvSpPr/>
+          <p:nvPr>
+            <p:ph idx="2" type="sldImg"/>
+          </p:nvPr>
+        </p:nvSpPr>
+        <p:spPr>
+          <a:xfrm>
+            <a:off x="1165225" y="1239837"/>
+            <a:ext cx="4465500" cy="3351300"/>
+          </a:xfrm>
+          <a:custGeom>
+            <a:rect b="b" l="l" r="r" t="t"/>
+            <a:pathLst>
+              <a:path extrusionOk="0" h="120000" w="120000">
+                <a:moveTo>
+                  <a:pt x="0" y="0"/>
+                </a:moveTo>
+                <a:lnTo>
+                  <a:pt x="120000" y="0"/>
+                </a:lnTo>
+                <a:lnTo>
+                  <a:pt x="120000" y="120000"/>
+                </a:lnTo>
+                <a:lnTo>
+                  <a:pt x="0" y="120000"/>
+                </a:lnTo>
+                <a:close/>
+              </a:path>
+            </a:pathLst>
+          </a:custGeom>
+          <a:noFill/>
+          <a:ln>
+            <a:noFill/>
+          </a:ln>
+        </p:spPr>
+      </p:sp>
+    </p:spTree>
+  </p:cSld>
+  <p:clrMapOvr>
+    <a:masterClrMapping/>
+  </p:clrMapOvr>
+</p:notes>
+</file>
+
+<file path=ppt/notesSlides/notesSlide12.xml><?xml version="1.0" encoding="utf-8"?>
+<p:notes xmlns:a="http://schemas.openxmlformats.org/drawingml/2006/main" xmlns:r="http://schemas.openxmlformats.org/officeDocument/2006/relationships" xmlns:mc="http://schemas.openxmlformats.org/markup-compatibility/2006" xmlns:mv="urn:schemas-microsoft-com:mac:vml" xmlns:p="http://schemas.openxmlformats.org/presentationml/2006/main" xmlns:c="http://schemas.openxmlformats.org/drawingml/2006/chart" xmlns:dgm="http://schemas.openxmlformats.org/drawingml/2006/diagram" xmlns:o="urn:schemas-microsoft-com:office:office" xmlns:v="urn:schemas-microsoft-com:vml" xmlns:pvml="urn:schemas-microsoft-com:office:powerpoint" xmlns:com="http://schemas.openxmlformats.org/drawingml/2006/compatibility" xmlns:p14="http://schemas.microsoft.com/office/powerpoint/2010/main" xmlns:p15="http://schemas.microsoft.com/office/powerpoint/2012/main" xmlns:ahyp="http://schemas.microsoft.com/office/drawing/2018/hyperlinkcolor" showMasterPhAnim="0" showMasterSp="0">
+  <p:cSld>
+    <p:spTree>
+      <p:nvGrpSpPr>
+        <p:cNvPr id="158" name="Shape 158"/>
+        <p:cNvGrpSpPr/>
+        <p:nvPr/>
+      </p:nvGrpSpPr>
+      <p:grpSpPr>
+        <a:xfrm>
+          <a:off x="0" y="0"/>
+          <a:ext cx="0" cy="0"/>
+          <a:chOff x="0" y="0"/>
+          <a:chExt cx="0" cy="0"/>
+        </a:xfrm>
+      </p:grpSpPr>
+      <p:sp>
+        <p:nvSpPr>
+          <p:cNvPr id="159" name="Google Shape;159;p9:notes"/>
           <p:cNvSpPr txBox="1"/>
           <p:nvPr>
             <p:ph idx="1" type="body"/>
@@ -1503,7 +1611,7 @@
       </p:sp>
       <p:sp>
         <p:nvSpPr>
-          <p:cNvPr id="153" name="Google Shape;153;p9:notes"/>
+          <p:cNvPr id="160" name="Google Shape;160;p9:notes"/>
           <p:cNvSpPr/>
           <p:nvPr>
             <p:ph idx="2" type="sldImg"/>
@@ -11287,7 +11395,7 @@
         <p:spPr>
           <a:xfrm>
             <a:off x="899250" y="1679925"/>
-            <a:ext cx="5958600" cy="354000"/>
+            <a:ext cx="5958600" cy="369300"/>
           </a:xfrm>
           <a:prstGeom prst="rect">
             <a:avLst/>
@@ -11313,20 +11421,10 @@
               <a:buNone/>
             </a:pPr>
             <a:r>
-              <a:rPr lang="en-US" sz="1100">
-                <a:latin typeface="Calibri"/>
-                <a:ea typeface="Calibri"/>
-                <a:cs typeface="Calibri"/>
-                <a:sym typeface="Calibri"/>
-              </a:rPr>
+              <a:rPr lang="en-US" sz="1200"/>
               <a:t>Demonstração da interface gráfica do sistema "HospitAll".</a:t>
             </a:r>
-            <a:endParaRPr sz="1100">
-              <a:latin typeface="Calibri"/>
-              <a:ea typeface="Calibri"/>
-              <a:cs typeface="Calibri"/>
-              <a:sym typeface="Calibri"/>
-            </a:endParaRPr>
+            <a:endParaRPr sz="1200"/>
           </a:p>
         </p:txBody>
       </p:sp>
@@ -11441,6 +11539,323 @@
         <p:nvSpPr>
           <p:cNvPr id="155" name="Google Shape;155;p23"/>
           <p:cNvSpPr txBox="1"/>
+          <p:nvPr>
+            <p:ph idx="1" type="body"/>
+          </p:nvPr>
+        </p:nvSpPr>
+        <p:spPr>
+          <a:xfrm>
+            <a:off x="468312" y="981075"/>
+            <a:ext cx="8229600" cy="4626000"/>
+          </a:xfrm>
+          <a:prstGeom prst="rect">
+            <a:avLst/>
+          </a:prstGeom>
+          <a:noFill/>
+          <a:ln>
+            <a:noFill/>
+          </a:ln>
+        </p:spPr>
+        <p:txBody>
+          <a:bodyPr anchorCtr="0" anchor="t" bIns="45700" lIns="54850" spcFirstLastPara="1" rIns="91425" wrap="square" tIns="91425">
+            <a:noAutofit/>
+          </a:bodyPr>
+          <a:lstStyle/>
+          <a:p>
+            <a:pPr indent="-317500" lvl="0" marL="438150" rtl="0" algn="just">
+              <a:lnSpc>
+                <a:spcPct val="100000"/>
+              </a:lnSpc>
+              <a:spcBef>
+                <a:spcPts val="0"/>
+              </a:spcBef>
+              <a:spcAft>
+                <a:spcPts val="0"/>
+              </a:spcAft>
+              <a:buClr>
+                <a:schemeClr val="accent1"/>
+              </a:buClr>
+              <a:buSzPts val="200"/>
+              <a:buFont typeface="Noto Sans Symbols"/>
+              <a:buChar char="◼"/>
+            </a:pPr>
+            <a:r>
+              <a:rPr b="1" i="0" lang="en-US" sz="2800" u="none">
+                <a:solidFill>
+                  <a:srgbClr val="0070C0"/>
+                </a:solidFill>
+                <a:latin typeface="Corbel"/>
+                <a:ea typeface="Corbel"/>
+                <a:cs typeface="Corbel"/>
+                <a:sym typeface="Corbel"/>
+              </a:rPr>
+              <a:t>Telas e Execução do sistema</a:t>
+            </a:r>
+            <a:endParaRPr b="0" i="0" sz="3200" u="none">
+              <a:solidFill>
+                <a:srgbClr val="000000"/>
+              </a:solidFill>
+              <a:latin typeface="Calibri"/>
+              <a:ea typeface="Calibri"/>
+              <a:cs typeface="Calibri"/>
+              <a:sym typeface="Calibri"/>
+            </a:endParaRPr>
+          </a:p>
+          <a:p>
+            <a:pPr indent="-317500" lvl="0" marL="438150" rtl="0" algn="just">
+              <a:lnSpc>
+                <a:spcPct val="100000"/>
+              </a:lnSpc>
+              <a:spcBef>
+                <a:spcPts val="0"/>
+              </a:spcBef>
+              <a:spcAft>
+                <a:spcPts val="0"/>
+              </a:spcAft>
+              <a:buSzPts val="1500"/>
+              <a:buNone/>
+            </a:pPr>
+            <a:r>
+              <a:t/>
+            </a:r>
+            <a:endParaRPr b="0" i="0" sz="1500" u="none">
+              <a:solidFill>
+                <a:srgbClr val="000000"/>
+              </a:solidFill>
+              <a:latin typeface="Corbel"/>
+              <a:ea typeface="Corbel"/>
+              <a:cs typeface="Corbel"/>
+              <a:sym typeface="Corbel"/>
+            </a:endParaRPr>
+          </a:p>
+          <a:p>
+            <a:pPr indent="-317500" lvl="0" marL="438150" rtl="0" algn="ctr">
+              <a:lnSpc>
+                <a:spcPct val="100000"/>
+              </a:lnSpc>
+              <a:spcBef>
+                <a:spcPts val="0"/>
+              </a:spcBef>
+              <a:spcAft>
+                <a:spcPts val="0"/>
+              </a:spcAft>
+              <a:buSzPts val="2800"/>
+              <a:buNone/>
+            </a:pPr>
+            <a:r>
+              <a:t/>
+            </a:r>
+            <a:endParaRPr b="0" i="0" sz="2800" u="none">
+              <a:solidFill>
+                <a:srgbClr val="000000"/>
+              </a:solidFill>
+              <a:latin typeface="Corbel"/>
+              <a:ea typeface="Corbel"/>
+              <a:cs typeface="Corbel"/>
+              <a:sym typeface="Corbel"/>
+            </a:endParaRPr>
+          </a:p>
+          <a:p>
+            <a:pPr indent="-317500" lvl="0" marL="438150" rtl="0" algn="ctr">
+              <a:lnSpc>
+                <a:spcPct val="100000"/>
+              </a:lnSpc>
+              <a:spcBef>
+                <a:spcPts val="0"/>
+              </a:spcBef>
+              <a:spcAft>
+                <a:spcPts val="0"/>
+              </a:spcAft>
+              <a:buSzPts val="3200"/>
+              <a:buNone/>
+            </a:pPr>
+            <a:r>
+              <a:t/>
+            </a:r>
+            <a:endParaRPr b="0" i="0" sz="3200" u="none">
+              <a:solidFill>
+                <a:srgbClr val="000000"/>
+              </a:solidFill>
+              <a:latin typeface="Calibri"/>
+              <a:ea typeface="Calibri"/>
+              <a:cs typeface="Calibri"/>
+              <a:sym typeface="Calibri"/>
+            </a:endParaRPr>
+          </a:p>
+          <a:p>
+            <a:pPr indent="-139700" lvl="0" marL="342900" rtl="0" algn="l">
+              <a:spcBef>
+                <a:spcPts val="800"/>
+              </a:spcBef>
+              <a:spcAft>
+                <a:spcPts val="0"/>
+              </a:spcAft>
+              <a:buSzPts val="3200"/>
+              <a:buNone/>
+            </a:pPr>
+            <a:r>
+              <a:t/>
+            </a:r>
+            <a:endParaRPr b="0" i="0" sz="3200" u="none">
+              <a:solidFill>
+                <a:srgbClr val="000000"/>
+              </a:solidFill>
+              <a:latin typeface="Calibri"/>
+              <a:ea typeface="Calibri"/>
+              <a:cs typeface="Calibri"/>
+              <a:sym typeface="Calibri"/>
+            </a:endParaRPr>
+          </a:p>
+        </p:txBody>
+      </p:sp>
+      <p:sp>
+        <p:nvSpPr>
+          <p:cNvPr id="156" name="Google Shape;156;p23"/>
+          <p:cNvSpPr txBox="1"/>
+          <p:nvPr/>
+        </p:nvSpPr>
+        <p:spPr>
+          <a:xfrm>
+            <a:off x="179387" y="6237287"/>
+            <a:ext cx="8783700" cy="404700"/>
+          </a:xfrm>
+          <a:prstGeom prst="rect">
+            <a:avLst/>
+          </a:prstGeom>
+          <a:gradFill>
+            <a:gsLst>
+              <a:gs pos="0">
+                <a:srgbClr val="FFF9DF"/>
+              </a:gs>
+              <a:gs pos="100000">
+                <a:srgbClr val="FFCC00"/>
+              </a:gs>
+            </a:gsLst>
+            <a:lin ang="10800025" scaled="0"/>
+          </a:gradFill>
+          <a:ln>
+            <a:noFill/>
+          </a:ln>
+        </p:spPr>
+        <p:txBody>
+          <a:bodyPr anchorCtr="0" anchor="ctr" bIns="45700" lIns="91425" spcFirstLastPara="1" rIns="91425" wrap="square" tIns="45700">
+            <a:noAutofit/>
+          </a:bodyPr>
+          <a:lstStyle/>
+          <a:p>
+            <a:pPr indent="0" lvl="0" marL="0" marR="0" rtl="0" algn="l">
+              <a:lnSpc>
+                <a:spcPct val="100000"/>
+              </a:lnSpc>
+              <a:spcBef>
+                <a:spcPts val="0"/>
+              </a:spcBef>
+              <a:spcAft>
+                <a:spcPts val="0"/>
+              </a:spcAft>
+              <a:buClr>
+                <a:schemeClr val="dk1"/>
+              </a:buClr>
+              <a:buSzPts val="1600"/>
+              <a:buFont typeface="Corbel"/>
+              <a:buNone/>
+            </a:pPr>
+            <a:r>
+              <a:rPr b="0" i="0" lang="en-US" sz="1600" u="none">
+                <a:solidFill>
+                  <a:schemeClr val="dk1"/>
+                </a:solidFill>
+                <a:latin typeface="Corbel"/>
+                <a:ea typeface="Corbel"/>
+                <a:cs typeface="Corbel"/>
+                <a:sym typeface="Corbel"/>
+              </a:rPr>
+              <a:t>Disciplina: Programação OO2</a:t>
+            </a:r>
+            <a:endParaRPr/>
+          </a:p>
+        </p:txBody>
+      </p:sp>
+      <p:sp>
+        <p:nvSpPr>
+          <p:cNvPr id="157" name="Google Shape;157;p23"/>
+          <p:cNvSpPr txBox="1"/>
+          <p:nvPr/>
+        </p:nvSpPr>
+        <p:spPr>
+          <a:xfrm>
+            <a:off x="899250" y="1679925"/>
+            <a:ext cx="7223700" cy="431100"/>
+          </a:xfrm>
+          <a:prstGeom prst="rect">
+            <a:avLst/>
+          </a:prstGeom>
+          <a:noFill/>
+          <a:ln>
+            <a:noFill/>
+          </a:ln>
+        </p:spPr>
+        <p:txBody>
+          <a:bodyPr anchorCtr="0" anchor="t" bIns="91425" lIns="91425" spcFirstLastPara="1" rIns="91425" wrap="square" tIns="91425">
+            <a:spAutoFit/>
+          </a:bodyPr>
+          <a:lstStyle/>
+          <a:p>
+            <a:pPr indent="0" lvl="0" marL="0" rtl="0" algn="l">
+              <a:spcBef>
+                <a:spcPts val="0"/>
+              </a:spcBef>
+              <a:spcAft>
+                <a:spcPts val="0"/>
+              </a:spcAft>
+              <a:buNone/>
+            </a:pPr>
+            <a:r>
+              <a:rPr lang="en-US" sz="1600"/>
+              <a:t>Link do Vídeo: </a:t>
+            </a:r>
+            <a:r>
+              <a:rPr lang="en-US" sz="1600" u="sng">
+                <a:solidFill>
+                  <a:schemeClr val="hlink"/>
+                </a:solidFill>
+                <a:hlinkClick r:id="rId3"/>
+              </a:rPr>
+              <a:t>Execução HospitAll</a:t>
+            </a:r>
+            <a:endParaRPr sz="1600"/>
+          </a:p>
+        </p:txBody>
+      </p:sp>
+    </p:spTree>
+  </p:cSld>
+  <p:clrMapOvr>
+    <a:masterClrMapping/>
+  </p:clrMapOvr>
+</p:sld>
+</file>
+
+<file path=ppt/slides/slide12.xml><?xml version="1.0" encoding="utf-8"?>
+<p:sld xmlns:a="http://schemas.openxmlformats.org/drawingml/2006/main" xmlns:r="http://schemas.openxmlformats.org/officeDocument/2006/relationships" xmlns:mc="http://schemas.openxmlformats.org/markup-compatibility/2006" xmlns:mv="urn:schemas-microsoft-com:mac:vml" xmlns:p="http://schemas.openxmlformats.org/presentationml/2006/main" xmlns:c="http://schemas.openxmlformats.org/drawingml/2006/chart" xmlns:dgm="http://schemas.openxmlformats.org/drawingml/2006/diagram" xmlns:o="urn:schemas-microsoft-com:office:office" xmlns:v="urn:schemas-microsoft-com:vml" xmlns:pvml="urn:schemas-microsoft-com:office:powerpoint" xmlns:com="http://schemas.openxmlformats.org/drawingml/2006/compatibility" xmlns:p14="http://schemas.microsoft.com/office/powerpoint/2010/main" xmlns:p15="http://schemas.microsoft.com/office/powerpoint/2012/main" xmlns:ahyp="http://schemas.microsoft.com/office/drawing/2018/hyperlinkcolor">
+  <p:cSld>
+    <p:spTree>
+      <p:nvGrpSpPr>
+        <p:cNvPr id="161" name="Shape 161"/>
+        <p:cNvGrpSpPr/>
+        <p:nvPr/>
+      </p:nvGrpSpPr>
+      <p:grpSpPr>
+        <a:xfrm>
+          <a:off x="0" y="0"/>
+          <a:ext cx="0" cy="0"/>
+          <a:chOff x="0" y="0"/>
+          <a:chExt cx="0" cy="0"/>
+        </a:xfrm>
+      </p:grpSpPr>
+      <p:sp>
+        <p:nvSpPr>
+          <p:cNvPr id="162" name="Google Shape;162;p24"/>
+          <p:cNvSpPr txBox="1"/>
           <p:nvPr/>
         </p:nvSpPr>
         <p:spPr>
@@ -11507,7 +11922,7 @@
       </p:sp>
       <p:sp>
         <p:nvSpPr>
-          <p:cNvPr id="156" name="Google Shape;156;p23"/>
+          <p:cNvPr id="163" name="Google Shape;163;p24"/>
           <p:cNvSpPr txBox="1"/>
           <p:nvPr/>
         </p:nvSpPr>
@@ -11573,14 +11988,14 @@
       </p:sp>
       <p:sp>
         <p:nvSpPr>
-          <p:cNvPr id="157" name="Google Shape;157;p23"/>
+          <p:cNvPr id="164" name="Google Shape;164;p24"/>
           <p:cNvSpPr txBox="1"/>
           <p:nvPr/>
         </p:nvSpPr>
         <p:spPr>
           <a:xfrm>
-            <a:off x="879700" y="1650275"/>
-            <a:ext cx="7371900" cy="4587000"/>
+            <a:off x="886050" y="2312375"/>
+            <a:ext cx="7371900" cy="3570900"/>
           </a:xfrm>
           <a:prstGeom prst="rect">
             <a:avLst/>
@@ -11731,38 +12146,6 @@
                 </a:solidFill>
               </a:rPr>
             </a:br>
-            <a:br>
-              <a:rPr lang="en-US" sz="2200">
-                <a:solidFill>
-                  <a:schemeClr val="dk1"/>
-                </a:solidFill>
-              </a:rPr>
-            </a:br>
-            <a:r>
-              <a:rPr lang="en-US" sz="2200">
-                <a:solidFill>
-                  <a:schemeClr val="dk1"/>
-                </a:solidFill>
-              </a:rPr>
-              <a:t>Link da demonstração: </a:t>
-            </a:r>
-            <a:r>
-              <a:rPr lang="en-US" sz="2200" u="sng">
-                <a:solidFill>
-                  <a:schemeClr val="hlink"/>
-                </a:solidFill>
-                <a:hlinkClick r:id="rId3"/>
-              </a:rPr>
-              <a:t>https://drive.google.com/file/d/1SiwKQHFEpGEx2AGNEzGOZzMSQuIXzNuj/view?usp=sharing</a:t>
-            </a:r>
-            <a:r>
-              <a:rPr lang="en-US" sz="2200">
-                <a:solidFill>
-                  <a:schemeClr val="dk1"/>
-                </a:solidFill>
-              </a:rPr>
-              <a:t> </a:t>
-            </a:r>
             <a:endParaRPr sz="2200">
               <a:solidFill>
                 <a:schemeClr val="dk1"/>
@@ -12034,7 +12417,7 @@
         <p:spPr>
           <a:xfrm>
             <a:off x="988175" y="1600850"/>
-            <a:ext cx="5731500" cy="3654900"/>
+            <a:ext cx="5731500" cy="3900300"/>
           </a:xfrm>
           <a:prstGeom prst="rect">
             <a:avLst/>
@@ -12068,21 +12451,21 @@
               <a:buNone/>
             </a:pPr>
             <a:r>
-              <a:rPr b="1" lang="en-US" sz="1100">
+              <a:rPr b="1" lang="en-US" sz="1200">
                 <a:solidFill>
                   <a:schemeClr val="dk1"/>
                 </a:solidFill>
               </a:rPr>
               <a:t>Objetivo Geral:</a:t>
             </a:r>
-            <a:endParaRPr b="1" sz="1100">
+            <a:endParaRPr b="1" sz="1200">
               <a:solidFill>
                 <a:schemeClr val="dk1"/>
               </a:solidFill>
             </a:endParaRPr>
           </a:p>
           <a:p>
-            <a:pPr indent="-298450" lvl="0" marL="457200" rtl="0" algn="just">
+            <a:pPr indent="-304800" lvl="0" marL="457200" rtl="0" algn="just">
               <a:lnSpc>
                 <a:spcPct val="115000"/>
               </a:lnSpc>
@@ -12095,18 +12478,18 @@
               <a:buClr>
                 <a:schemeClr val="dk1"/>
               </a:buClr>
-              <a:buSzPts val="1100"/>
+              <a:buSzPts val="1200"/>
               <a:buChar char="●"/>
             </a:pPr>
             <a:r>
-              <a:rPr lang="en-US" sz="1100">
+              <a:rPr lang="en-US" sz="1200">
                 <a:solidFill>
                   <a:schemeClr val="dk1"/>
                 </a:solidFill>
               </a:rPr>
               <a:t>Desenvolver o sistema "HospitAll" para centralizar e facilitar o gerenciamento de informações hospitalares, permitindo o cadastro, controle e consulta de pacientes, médicos e estagiários.</a:t>
             </a:r>
-            <a:endParaRPr sz="1100">
+            <a:endParaRPr sz="1200">
               <a:solidFill>
                 <a:schemeClr val="dk1"/>
               </a:solidFill>
@@ -12131,21 +12514,21 @@
               <a:buNone/>
             </a:pPr>
             <a:r>
-              <a:rPr b="1" lang="en-US" sz="1100">
+              <a:rPr b="1" lang="en-US" sz="1200">
                 <a:solidFill>
                   <a:schemeClr val="dk1"/>
                 </a:solidFill>
               </a:rPr>
               <a:t>Contexto:</a:t>
             </a:r>
-            <a:endParaRPr b="1" sz="1100">
+            <a:endParaRPr b="1" sz="1200">
               <a:solidFill>
                 <a:schemeClr val="dk1"/>
               </a:solidFill>
             </a:endParaRPr>
           </a:p>
           <a:p>
-            <a:pPr indent="-298450" lvl="0" marL="457200" rtl="0" algn="just">
+            <a:pPr indent="-304800" lvl="0" marL="457200" rtl="0" algn="just">
               <a:lnSpc>
                 <a:spcPct val="115000"/>
               </a:lnSpc>
@@ -12158,18 +12541,18 @@
               <a:buClr>
                 <a:schemeClr val="dk1"/>
               </a:buClr>
-              <a:buSzPts val="1100"/>
+              <a:buSzPts val="1200"/>
               <a:buChar char="●"/>
             </a:pPr>
             <a:r>
-              <a:rPr lang="en-US" sz="1100">
+              <a:rPr lang="en-US" sz="1200">
                 <a:solidFill>
                   <a:schemeClr val="dk1"/>
                 </a:solidFill>
               </a:rPr>
               <a:t>O projeto aborda a necessidade de transição de sistemas manuais para soluções digitais, visando otimizar processos e reduzir erros na gestão de dados em unidades de saúde.</a:t>
             </a:r>
-            <a:endParaRPr sz="1100">
+            <a:endParaRPr sz="1200">
               <a:solidFill>
                 <a:schemeClr val="dk1"/>
               </a:solidFill>
@@ -12194,21 +12577,21 @@
               <a:buNone/>
             </a:pPr>
             <a:r>
-              <a:rPr b="1" lang="en-US" sz="1100">
+              <a:rPr b="1" lang="en-US" sz="1200">
                 <a:solidFill>
                   <a:schemeClr val="dk1"/>
                 </a:solidFill>
               </a:rPr>
               <a:t>Tecnologias Utilizadas:</a:t>
             </a:r>
-            <a:endParaRPr b="1" sz="1100">
+            <a:endParaRPr b="1" sz="1200">
               <a:solidFill>
                 <a:schemeClr val="dk1"/>
               </a:solidFill>
             </a:endParaRPr>
           </a:p>
           <a:p>
-            <a:pPr indent="-298450" lvl="0" marL="457200" rtl="0" algn="l">
+            <a:pPr indent="-304800" lvl="0" marL="457200" rtl="0" algn="l">
               <a:lnSpc>
                 <a:spcPct val="115000"/>
               </a:lnSpc>
@@ -12221,11 +12604,11 @@
               <a:buClr>
                 <a:schemeClr val="dk1"/>
               </a:buClr>
-              <a:buSzPts val="1100"/>
+              <a:buSzPts val="1200"/>
               <a:buChar char="●"/>
             </a:pPr>
             <a:r>
-              <a:rPr b="1" lang="en-US" sz="1100">
+              <a:rPr b="1" lang="en-US" sz="1200">
                 <a:solidFill>
                   <a:schemeClr val="dk1"/>
                 </a:solidFill>
@@ -12233,21 +12616,21 @@
               <a:t>Linguagem:</a:t>
             </a:r>
             <a:r>
-              <a:rPr lang="en-US" sz="1100">
+              <a:rPr lang="en-US" sz="1200">
                 <a:solidFill>
                   <a:schemeClr val="dk1"/>
                 </a:solidFill>
               </a:rPr>
               <a:t> Java</a:t>
             </a:r>
-            <a:endParaRPr sz="1100">
+            <a:endParaRPr sz="1200">
               <a:solidFill>
                 <a:schemeClr val="dk1"/>
               </a:solidFill>
             </a:endParaRPr>
           </a:p>
           <a:p>
-            <a:pPr indent="-298450" lvl="0" marL="457200" rtl="0" algn="l">
+            <a:pPr indent="-304800" lvl="0" marL="457200" rtl="0" algn="l">
               <a:lnSpc>
                 <a:spcPct val="115000"/>
               </a:lnSpc>
@@ -12260,11 +12643,11 @@
               <a:buClr>
                 <a:schemeClr val="dk1"/>
               </a:buClr>
-              <a:buSzPts val="1100"/>
+              <a:buSzPts val="1200"/>
               <a:buChar char="●"/>
             </a:pPr>
             <a:r>
-              <a:rPr b="1" lang="en-US" sz="1100">
+              <a:rPr b="1" lang="en-US" sz="1200">
                 <a:solidFill>
                   <a:schemeClr val="dk1"/>
                 </a:solidFill>
@@ -12272,21 +12655,21 @@
               <a:t>IDE:</a:t>
             </a:r>
             <a:r>
-              <a:rPr lang="en-US" sz="1100">
+              <a:rPr lang="en-US" sz="1200">
                 <a:solidFill>
                   <a:schemeClr val="dk1"/>
                 </a:solidFill>
               </a:rPr>
               <a:t> NetBeans</a:t>
             </a:r>
-            <a:endParaRPr sz="1100">
+            <a:endParaRPr sz="1200">
               <a:solidFill>
                 <a:schemeClr val="dk1"/>
               </a:solidFill>
             </a:endParaRPr>
           </a:p>
           <a:p>
-            <a:pPr indent="-298450" lvl="0" marL="457200" rtl="0" algn="l">
+            <a:pPr indent="-304800" lvl="0" marL="457200" rtl="0" algn="l">
               <a:lnSpc>
                 <a:spcPct val="115000"/>
               </a:lnSpc>
@@ -12299,11 +12682,11 @@
               <a:buClr>
                 <a:schemeClr val="dk1"/>
               </a:buClr>
-              <a:buSzPts val="1100"/>
+              <a:buSzPts val="1200"/>
               <a:buChar char="●"/>
             </a:pPr>
             <a:r>
-              <a:rPr b="1" lang="en-US" sz="1100">
+              <a:rPr b="1" lang="en-US" sz="1200">
                 <a:solidFill>
                   <a:schemeClr val="dk1"/>
                 </a:solidFill>
@@ -12311,21 +12694,21 @@
               <a:t>Modelagem UML:</a:t>
             </a:r>
             <a:r>
-              <a:rPr lang="en-US" sz="1100">
+              <a:rPr lang="en-US" sz="1200">
                 <a:solidFill>
                   <a:schemeClr val="dk1"/>
                 </a:solidFill>
               </a:rPr>
               <a:t> Astah UML</a:t>
             </a:r>
-            <a:endParaRPr sz="1100">
+            <a:endParaRPr sz="1200">
               <a:solidFill>
                 <a:schemeClr val="dk1"/>
               </a:solidFill>
             </a:endParaRPr>
           </a:p>
           <a:p>
-            <a:pPr indent="-298450" lvl="0" marL="457200" rtl="0" algn="l">
+            <a:pPr indent="-304800" lvl="0" marL="457200" rtl="0" algn="l">
               <a:lnSpc>
                 <a:spcPct val="115000"/>
               </a:lnSpc>
@@ -12338,11 +12721,11 @@
               <a:buClr>
                 <a:schemeClr val="dk1"/>
               </a:buClr>
-              <a:buSzPts val="1100"/>
+              <a:buSzPts val="1200"/>
               <a:buChar char="●"/>
             </a:pPr>
             <a:r>
-              <a:rPr b="1" lang="en-US" sz="1100">
+              <a:rPr b="1" lang="en-US" sz="1200">
                 <a:solidFill>
                   <a:schemeClr val="dk1"/>
                 </a:solidFill>
@@ -12350,21 +12733,21 @@
               <a:t>Banco de Dados:</a:t>
             </a:r>
             <a:r>
-              <a:rPr lang="en-US" sz="1100">
+              <a:rPr lang="en-US" sz="1200">
                 <a:solidFill>
                   <a:schemeClr val="dk1"/>
                 </a:solidFill>
               </a:rPr>
               <a:t> PostgreSQL</a:t>
             </a:r>
-            <a:endParaRPr sz="1100">
+            <a:endParaRPr sz="1200">
               <a:solidFill>
                 <a:schemeClr val="dk1"/>
               </a:solidFill>
             </a:endParaRPr>
           </a:p>
           <a:p>
-            <a:pPr indent="-298450" lvl="0" marL="457200" rtl="0" algn="l">
+            <a:pPr indent="-304800" lvl="0" marL="457200" rtl="0" algn="l">
               <a:lnSpc>
                 <a:spcPct val="115000"/>
               </a:lnSpc>
@@ -12377,11 +12760,11 @@
               <a:buClr>
                 <a:schemeClr val="dk1"/>
               </a:buClr>
-              <a:buSzPts val="1100"/>
+              <a:buSzPts val="1200"/>
               <a:buChar char="●"/>
             </a:pPr>
             <a:r>
-              <a:rPr b="1" lang="en-US" sz="1100">
+              <a:rPr b="1" lang="en-US" sz="1200">
                 <a:solidFill>
                   <a:schemeClr val="dk1"/>
                 </a:solidFill>
@@ -12389,14 +12772,14 @@
               <a:t>Controle de Versão:</a:t>
             </a:r>
             <a:r>
-              <a:rPr lang="en-US" sz="1100">
+              <a:rPr lang="en-US" sz="1200">
                 <a:solidFill>
                   <a:schemeClr val="dk1"/>
                 </a:solidFill>
               </a:rPr>
               <a:t> Git/GitHub</a:t>
             </a:r>
-            <a:endParaRPr sz="3200">
+            <a:endParaRPr sz="3300">
               <a:latin typeface="Calibri"/>
               <a:ea typeface="Calibri"/>
               <a:cs typeface="Calibri"/>
@@ -12701,7 +13084,7 @@
         <p:spPr>
           <a:xfrm>
             <a:off x="958550" y="1758975"/>
-            <a:ext cx="5869800" cy="3824100"/>
+            <a:ext cx="5869800" cy="4479300"/>
           </a:xfrm>
           <a:prstGeom prst="rect">
             <a:avLst/>
@@ -12735,21 +13118,21 @@
               <a:buNone/>
             </a:pPr>
             <a:r>
-              <a:rPr b="1" lang="en-US" sz="1100">
+              <a:rPr b="1" lang="en-US" sz="1200">
                 <a:solidFill>
                   <a:schemeClr val="dk1"/>
                 </a:solidFill>
               </a:rPr>
               <a:t>Requisitos Funcionais Principais:</a:t>
             </a:r>
-            <a:endParaRPr b="1" sz="1100">
+            <a:endParaRPr b="1" sz="1200">
               <a:solidFill>
                 <a:schemeClr val="dk1"/>
               </a:solidFill>
             </a:endParaRPr>
           </a:p>
           <a:p>
-            <a:pPr indent="-298450" lvl="0" marL="457200" rtl="0" algn="l">
+            <a:pPr indent="-304800" lvl="0" marL="457200" rtl="0" algn="l">
               <a:lnSpc>
                 <a:spcPct val="115000"/>
               </a:lnSpc>
@@ -12762,11 +13145,11 @@
               <a:buClr>
                 <a:schemeClr val="dk1"/>
               </a:buClr>
-              <a:buSzPts val="1100"/>
+              <a:buSzPts val="1200"/>
               <a:buChar char="●"/>
             </a:pPr>
             <a:r>
-              <a:rPr b="1" lang="en-US" sz="1100">
+              <a:rPr b="1" lang="en-US" sz="1200">
                 <a:solidFill>
                   <a:schemeClr val="dk1"/>
                 </a:solidFill>
@@ -12774,21 +13157,21 @@
               <a:t>Cadastro:</a:t>
             </a:r>
             <a:r>
-              <a:rPr lang="en-US" sz="1100">
+              <a:rPr lang="en-US" sz="1200">
                 <a:solidFill>
                   <a:schemeClr val="dk1"/>
                 </a:solidFill>
               </a:rPr>
               <a:t> Permitir o cadastro completo de Pacientes, Médicos e Estagiários.</a:t>
             </a:r>
-            <a:endParaRPr sz="1100">
+            <a:endParaRPr sz="1200">
               <a:solidFill>
                 <a:schemeClr val="dk1"/>
               </a:solidFill>
             </a:endParaRPr>
           </a:p>
           <a:p>
-            <a:pPr indent="-298450" lvl="0" marL="457200" rtl="0" algn="l">
+            <a:pPr indent="-304800" lvl="0" marL="457200" rtl="0" algn="l">
               <a:lnSpc>
                 <a:spcPct val="115000"/>
               </a:lnSpc>
@@ -12801,11 +13184,11 @@
               <a:buClr>
                 <a:schemeClr val="dk1"/>
               </a:buClr>
-              <a:buSzPts val="1100"/>
+              <a:buSzPts val="1200"/>
               <a:buChar char="●"/>
             </a:pPr>
             <a:r>
-              <a:rPr b="1" lang="en-US" sz="1100">
+              <a:rPr b="1" lang="en-US" sz="1200">
                 <a:solidFill>
                   <a:schemeClr val="dk1"/>
                 </a:solidFill>
@@ -12813,21 +13196,21 @@
               <a:t>Gerenciamento:</a:t>
             </a:r>
             <a:r>
-              <a:rPr lang="en-US" sz="1100">
+              <a:rPr lang="en-US" sz="1200">
                 <a:solidFill>
                   <a:schemeClr val="dk1"/>
                 </a:solidFill>
               </a:rPr>
               <a:t> Permitir edição, exclusão e listagem dos registros.</a:t>
             </a:r>
-            <a:endParaRPr sz="1100">
+            <a:endParaRPr sz="1200">
               <a:solidFill>
                 <a:schemeClr val="dk1"/>
               </a:solidFill>
             </a:endParaRPr>
           </a:p>
           <a:p>
-            <a:pPr indent="-298450" lvl="0" marL="457200" rtl="0" algn="l">
+            <a:pPr indent="-304800" lvl="0" marL="457200" rtl="0" algn="l">
               <a:lnSpc>
                 <a:spcPct val="115000"/>
               </a:lnSpc>
@@ -12840,11 +13223,11 @@
               <a:buClr>
                 <a:schemeClr val="dk1"/>
               </a:buClr>
-              <a:buSzPts val="1100"/>
+              <a:buSzPts val="1200"/>
               <a:buChar char="●"/>
             </a:pPr>
             <a:r>
-              <a:rPr b="1" lang="en-US" sz="1100">
+              <a:rPr b="1" lang="en-US" sz="1200">
                 <a:solidFill>
                   <a:schemeClr val="dk1"/>
                 </a:solidFill>
@@ -12852,21 +13235,21 @@
               <a:t>Busca:</a:t>
             </a:r>
             <a:r>
-              <a:rPr lang="en-US" sz="1100">
+              <a:rPr lang="en-US" sz="1200">
                 <a:solidFill>
                   <a:schemeClr val="dk1"/>
                 </a:solidFill>
               </a:rPr>
               <a:t> Realizar buscas em tempo real por CPF e CRM.</a:t>
             </a:r>
-            <a:endParaRPr sz="1100">
+            <a:endParaRPr sz="1200">
               <a:solidFill>
                 <a:schemeClr val="dk1"/>
               </a:solidFill>
             </a:endParaRPr>
           </a:p>
           <a:p>
-            <a:pPr indent="-298450" lvl="0" marL="457200" rtl="0" algn="l">
+            <a:pPr indent="-304800" lvl="0" marL="457200" rtl="0" algn="l">
               <a:lnSpc>
                 <a:spcPct val="115000"/>
               </a:lnSpc>
@@ -12879,11 +13262,11 @@
               <a:buClr>
                 <a:schemeClr val="dk1"/>
               </a:buClr>
-              <a:buSzPts val="1100"/>
+              <a:buSzPts val="1200"/>
               <a:buChar char="●"/>
             </a:pPr>
             <a:r>
-              <a:rPr b="1" lang="en-US" sz="1100">
+              <a:rPr b="1" lang="en-US" sz="1200">
                 <a:solidFill>
                   <a:schemeClr val="dk1"/>
                 </a:solidFill>
@@ -12891,14 +13274,14 @@
               <a:t>Validação:</a:t>
             </a:r>
             <a:r>
-              <a:rPr lang="en-US" sz="1100">
+              <a:rPr lang="en-US" sz="1200">
                 <a:solidFill>
                   <a:schemeClr val="dk1"/>
                 </a:solidFill>
               </a:rPr>
               <a:t> Validar entradas de dados como CPF inválido, campos vazios e idade negativa.</a:t>
             </a:r>
-            <a:endParaRPr sz="1100">
+            <a:endParaRPr sz="1200">
               <a:solidFill>
                 <a:schemeClr val="dk1"/>
               </a:solidFill>
@@ -12923,21 +13306,21 @@
               <a:buNone/>
             </a:pPr>
             <a:r>
-              <a:rPr b="1" lang="en-US" sz="1100">
+              <a:rPr b="1" lang="en-US" sz="1200">
                 <a:solidFill>
                   <a:schemeClr val="dk1"/>
                 </a:solidFill>
               </a:rPr>
               <a:t>Requisitos Não Funcionais:</a:t>
             </a:r>
-            <a:endParaRPr b="1" sz="1100">
+            <a:endParaRPr b="1" sz="1200">
               <a:solidFill>
                 <a:schemeClr val="dk1"/>
               </a:solidFill>
             </a:endParaRPr>
           </a:p>
           <a:p>
-            <a:pPr indent="-298450" lvl="0" marL="457200" rtl="0" algn="l">
+            <a:pPr indent="-304800" lvl="0" marL="457200" rtl="0" algn="l">
               <a:lnSpc>
                 <a:spcPct val="115000"/>
               </a:lnSpc>
@@ -12950,11 +13333,11 @@
               <a:buClr>
                 <a:schemeClr val="dk1"/>
               </a:buClr>
-              <a:buSzPts val="1100"/>
+              <a:buSzPts val="1200"/>
               <a:buChar char="●"/>
             </a:pPr>
             <a:r>
-              <a:rPr b="1" lang="en-US" sz="1100">
+              <a:rPr b="1" lang="en-US" sz="1200">
                 <a:solidFill>
                   <a:schemeClr val="dk1"/>
                 </a:solidFill>
@@ -12962,21 +13345,21 @@
               <a:t>Desempenho:</a:t>
             </a:r>
             <a:r>
-              <a:rPr lang="en-US" sz="1100">
+              <a:rPr lang="en-US" sz="1200">
                 <a:solidFill>
                   <a:schemeClr val="dk1"/>
                 </a:solidFill>
               </a:rPr>
               <a:t> Tempo de resposta para operações de salvar ou excluir inferior a 2 segundos.</a:t>
             </a:r>
-            <a:endParaRPr sz="1100">
+            <a:endParaRPr sz="1200">
               <a:solidFill>
                 <a:schemeClr val="dk1"/>
               </a:solidFill>
             </a:endParaRPr>
           </a:p>
           <a:p>
-            <a:pPr indent="-298450" lvl="0" marL="457200" rtl="0" algn="l">
+            <a:pPr indent="-304800" lvl="0" marL="457200" rtl="0" algn="l">
               <a:lnSpc>
                 <a:spcPct val="115000"/>
               </a:lnSpc>
@@ -12989,11 +13372,11 @@
               <a:buClr>
                 <a:schemeClr val="dk1"/>
               </a:buClr>
-              <a:buSzPts val="1100"/>
+              <a:buSzPts val="1200"/>
               <a:buChar char="●"/>
             </a:pPr>
             <a:r>
-              <a:rPr b="1" lang="en-US" sz="1100">
+              <a:rPr b="1" lang="en-US" sz="1200">
                 <a:solidFill>
                   <a:schemeClr val="dk1"/>
                 </a:solidFill>
@@ -13001,21 +13384,21 @@
               <a:t>Segurança:</a:t>
             </a:r>
             <a:r>
-              <a:rPr lang="en-US" sz="1100">
+              <a:rPr lang="en-US" sz="1200">
                 <a:solidFill>
                   <a:schemeClr val="dk1"/>
                 </a:solidFill>
               </a:rPr>
               <a:t> Restringir funcionalidades com base no nível de acesso do usuário.</a:t>
             </a:r>
-            <a:endParaRPr sz="1100">
+            <a:endParaRPr sz="1200">
               <a:solidFill>
                 <a:schemeClr val="dk1"/>
               </a:solidFill>
             </a:endParaRPr>
           </a:p>
           <a:p>
-            <a:pPr indent="-298450" lvl="0" marL="457200" rtl="0" algn="l">
+            <a:pPr indent="-304800" lvl="0" marL="457200" rtl="0" algn="l">
               <a:lnSpc>
                 <a:spcPct val="115000"/>
               </a:lnSpc>
@@ -13028,11 +13411,11 @@
               <a:buClr>
                 <a:schemeClr val="dk1"/>
               </a:buClr>
-              <a:buSzPts val="1100"/>
+              <a:buSzPts val="1200"/>
               <a:buChar char="●"/>
             </a:pPr>
             <a:r>
-              <a:rPr b="1" lang="en-US" sz="1100">
+              <a:rPr b="1" lang="en-US" sz="1200">
                 <a:solidFill>
                   <a:schemeClr val="dk1"/>
                 </a:solidFill>
@@ -13040,21 +13423,21 @@
               <a:t>Usabilidade:</a:t>
             </a:r>
             <a:r>
-              <a:rPr lang="en-US" sz="1100">
+              <a:rPr lang="en-US" sz="1200">
                 <a:solidFill>
                   <a:schemeClr val="dk1"/>
                 </a:solidFill>
               </a:rPr>
               <a:t> Validar campos obrigatórios automaticamente antes do envio de formulários.</a:t>
             </a:r>
-            <a:endParaRPr sz="1100">
+            <a:endParaRPr sz="1200">
               <a:solidFill>
                 <a:schemeClr val="dk1"/>
               </a:solidFill>
             </a:endParaRPr>
           </a:p>
           <a:p>
-            <a:pPr indent="-298450" lvl="0" marL="457200" rtl="0" algn="l">
+            <a:pPr indent="-304800" lvl="0" marL="457200" rtl="0" algn="l">
               <a:lnSpc>
                 <a:spcPct val="115000"/>
               </a:lnSpc>
@@ -13067,11 +13450,11 @@
               <a:buClr>
                 <a:schemeClr val="dk1"/>
               </a:buClr>
-              <a:buSzPts val="1100"/>
+              <a:buSzPts val="1200"/>
               <a:buChar char="●"/>
             </a:pPr>
             <a:r>
-              <a:rPr b="1" lang="en-US" sz="1100">
+              <a:rPr b="1" lang="en-US" sz="1200">
                 <a:solidFill>
                   <a:schemeClr val="dk1"/>
                 </a:solidFill>
@@ -13079,14 +13462,14 @@
               <a:t>Documentação:</a:t>
             </a:r>
             <a:r>
-              <a:rPr lang="en-US" sz="1100">
+              <a:rPr lang="en-US" sz="1200">
                 <a:solidFill>
                   <a:schemeClr val="dk1"/>
                 </a:solidFill>
               </a:rPr>
               <a:t> Código-fonte documentado com comentários e JavaDoc.</a:t>
             </a:r>
-            <a:endParaRPr sz="1100">
+            <a:endParaRPr sz="1200">
               <a:solidFill>
                 <a:schemeClr val="dk1"/>
               </a:solidFill>
@@ -13245,7 +13628,7 @@
         </p:nvSpPr>
         <p:spPr>
           <a:xfrm>
-            <a:off x="830075" y="981075"/>
+            <a:off x="259325" y="961300"/>
             <a:ext cx="4358100" cy="718500"/>
           </a:xfrm>
           <a:prstGeom prst="rect">
@@ -13307,7 +13690,7 @@
         <p:spPr>
           <a:xfrm>
             <a:off x="163175" y="1936850"/>
-            <a:ext cx="4550400" cy="861900"/>
+            <a:ext cx="4550400" cy="1108200"/>
           </a:xfrm>
           <a:prstGeom prst="rect">
             <a:avLst/>
@@ -13333,20 +13716,10 @@
               <a:buNone/>
             </a:pPr>
             <a:r>
-              <a:rPr lang="en-US" sz="1100">
-                <a:latin typeface="Calibri"/>
-                <a:ea typeface="Calibri"/>
-                <a:cs typeface="Calibri"/>
-                <a:sym typeface="Calibri"/>
-              </a:rPr>
+              <a:rPr lang="en-US" sz="1200"/>
               <a:t>O diagrama ilustra as interações do ator "Usuário" com as principais funcionalidades do sistema, como Gerenciar Pacientes, Médicos e Estagiários. As funcionalidades de cadastro, consulta e deleção são incluídas como casos de uso estendidos.</a:t>
             </a:r>
-            <a:endParaRPr sz="1100">
-              <a:latin typeface="Calibri"/>
-              <a:ea typeface="Calibri"/>
-              <a:cs typeface="Calibri"/>
-              <a:sym typeface="Calibri"/>
-            </a:endParaRPr>
+            <a:endParaRPr sz="1200"/>
           </a:p>
         </p:txBody>
       </p:sp>
@@ -13624,8 +13997,8 @@
         </p:nvSpPr>
         <p:spPr>
           <a:xfrm>
-            <a:off x="1737150" y="1511925"/>
-            <a:ext cx="5691900" cy="692700"/>
+            <a:off x="1029425" y="1505625"/>
+            <a:ext cx="6435000" cy="738900"/>
           </a:xfrm>
           <a:prstGeom prst="rect">
             <a:avLst/>
@@ -13651,7 +14024,7 @@
               <a:buNone/>
             </a:pPr>
             <a:r>
-              <a:rPr lang="en-US" sz="1100">
+              <a:rPr lang="en-US" sz="1200">
                 <a:solidFill>
                   <a:schemeClr val="dk1"/>
                 </a:solidFill>
@@ -13659,7 +14032,7 @@
               <a:t>Apresenta a arquitetura do sistema, destacando a classe abstrata </a:t>
             </a:r>
             <a:r>
-              <a:rPr lang="en-US" sz="1100">
+              <a:rPr lang="en-US" sz="1200">
                 <a:solidFill>
                   <a:srgbClr val="188038"/>
                 </a:solidFill>
@@ -13671,7 +14044,7 @@
               <a:t>Humano</a:t>
             </a:r>
             <a:r>
-              <a:rPr lang="en-US" sz="1100">
+              <a:rPr lang="en-US" sz="1200">
                 <a:solidFill>
                   <a:schemeClr val="dk1"/>
                 </a:solidFill>
@@ -13679,7 +14052,7 @@
               <a:t> e suas subclasses </a:t>
             </a:r>
             <a:r>
-              <a:rPr lang="en-US" sz="1100">
+              <a:rPr lang="en-US" sz="1200">
                 <a:solidFill>
                   <a:srgbClr val="188038"/>
                 </a:solidFill>
@@ -13691,7 +14064,7 @@
               <a:t>Paciente</a:t>
             </a:r>
             <a:r>
-              <a:rPr lang="en-US" sz="1100">
+              <a:rPr lang="en-US" sz="1200">
                 <a:solidFill>
                   <a:schemeClr val="dk1"/>
                 </a:solidFill>
@@ -13699,7 +14072,7 @@
               <a:t>, </a:t>
             </a:r>
             <a:r>
-              <a:rPr lang="en-US" sz="1100">
+              <a:rPr lang="en-US" sz="1200">
                 <a:solidFill>
                   <a:srgbClr val="188038"/>
                 </a:solidFill>
@@ -13711,7 +14084,7 @@
               <a:t>Medico</a:t>
             </a:r>
             <a:r>
-              <a:rPr lang="en-US" sz="1100">
+              <a:rPr lang="en-US" sz="1200">
                 <a:solidFill>
                   <a:schemeClr val="dk1"/>
                 </a:solidFill>
@@ -13719,7 +14092,7 @@
               <a:t> e </a:t>
             </a:r>
             <a:r>
-              <a:rPr lang="en-US" sz="1100">
+              <a:rPr lang="en-US" sz="1200">
                 <a:solidFill>
                   <a:srgbClr val="188038"/>
                 </a:solidFill>
@@ -13731,14 +14104,14 @@
               <a:t>Estagiario</a:t>
             </a:r>
             <a:r>
-              <a:rPr lang="en-US" sz="1100">
+              <a:rPr lang="en-US" sz="1200">
                 <a:solidFill>
                   <a:schemeClr val="dk1"/>
                 </a:solidFill>
               </a:rPr>
               <a:t>. O diagrama também mostra os relacionamentos entre as classes e o uso do padrão DAO para persistência de dados.</a:t>
             </a:r>
-            <a:endParaRPr sz="1100">
+            <a:endParaRPr sz="1200">
               <a:latin typeface="Calibri"/>
               <a:ea typeface="Calibri"/>
               <a:cs typeface="Calibri"/>
@@ -14050,7 +14423,7 @@
         <p:spPr>
           <a:xfrm>
             <a:off x="909125" y="1788625"/>
-            <a:ext cx="6284700" cy="1354500"/>
+            <a:ext cx="6284700" cy="1416000"/>
           </a:xfrm>
           <a:prstGeom prst="rect">
             <a:avLst/>
@@ -14081,7 +14454,7 @@
               <a:buNone/>
             </a:pPr>
             <a:r>
-              <a:rPr b="1" lang="en-US" sz="1100">
+              <a:rPr b="1" lang="en-US" sz="1200">
                 <a:solidFill>
                   <a:schemeClr val="dk1"/>
                 </a:solidFill>
@@ -14089,14 +14462,14 @@
               <a:t>Sistema Gerenciador:</a:t>
             </a:r>
             <a:r>
-              <a:rPr lang="en-US" sz="1100">
+              <a:rPr lang="en-US" sz="1200">
                 <a:solidFill>
                   <a:schemeClr val="dk1"/>
                 </a:solidFill>
               </a:rPr>
               <a:t> PostgreSQL</a:t>
             </a:r>
-            <a:endParaRPr sz="1100">
+            <a:endParaRPr sz="1200">
               <a:solidFill>
                 <a:schemeClr val="dk1"/>
               </a:solidFill>
@@ -14118,7 +14491,7 @@
               <a:buNone/>
             </a:pPr>
             <a:r>
-              <a:rPr b="1" lang="en-US" sz="1100">
+              <a:rPr b="1" lang="en-US" sz="1200">
                 <a:solidFill>
                   <a:schemeClr val="dk1"/>
                 </a:solidFill>
@@ -14126,7 +14499,7 @@
               <a:t>Estrutura:</a:t>
             </a:r>
             <a:r>
-              <a:rPr lang="en-US" sz="1100">
+              <a:rPr lang="en-US" sz="1200">
                 <a:solidFill>
                   <a:schemeClr val="dk1"/>
                 </a:solidFill>
@@ -14134,7 +14507,7 @@
               <a:t> Utilizada uma tabela (</a:t>
             </a:r>
             <a:r>
-              <a:rPr lang="en-US" sz="1100">
+              <a:rPr lang="en-US" sz="1200">
                 <a:solidFill>
                   <a:srgbClr val="188038"/>
                 </a:solidFill>
@@ -14146,14 +14519,14 @@
               <a:t>pessoa</a:t>
             </a:r>
             <a:r>
-              <a:rPr lang="en-US" sz="1100">
+              <a:rPr lang="en-US" sz="1200">
                 <a:solidFill>
                   <a:schemeClr val="dk1"/>
                 </a:solidFill>
               </a:rPr>
               <a:t>) que armazena os dados comuns e usa um campo "tipo_pessoa" para diferenciar entre Pacientes, Médicos e Estagiários, refletindo a herança do Diagrama de Classes.</a:t>
             </a:r>
-            <a:endParaRPr sz="1100">
+            <a:endParaRPr sz="1200">
               <a:solidFill>
                 <a:schemeClr val="dk1"/>
               </a:solidFill>
@@ -14483,8 +14856,8 @@
         </p:nvSpPr>
         <p:spPr>
           <a:xfrm>
-            <a:off x="909125" y="2085075"/>
-            <a:ext cx="5603100" cy="3824100"/>
+            <a:off x="928875" y="2085075"/>
+            <a:ext cx="6492300" cy="4054200"/>
           </a:xfrm>
           <a:prstGeom prst="rect">
             <a:avLst/>
@@ -14518,21 +14891,21 @@
               <a:buNone/>
             </a:pPr>
             <a:r>
-              <a:rPr b="1" lang="en-US" sz="1100">
+              <a:rPr b="1" lang="en-US" sz="1200">
                 <a:solidFill>
                   <a:schemeClr val="dk1"/>
                 </a:solidFill>
               </a:rPr>
               <a:t>Princípio da Responsabilidade Única (SRP):</a:t>
             </a:r>
-            <a:endParaRPr b="1" sz="1100">
+            <a:endParaRPr b="1" sz="1200">
               <a:solidFill>
                 <a:schemeClr val="dk1"/>
               </a:solidFill>
             </a:endParaRPr>
           </a:p>
           <a:p>
-            <a:pPr indent="-298450" lvl="0" marL="457200" rtl="0" algn="just">
+            <a:pPr indent="-304800" lvl="0" marL="457200" rtl="0" algn="just">
               <a:lnSpc>
                 <a:spcPct val="115000"/>
               </a:lnSpc>
@@ -14545,11 +14918,11 @@
               <a:buClr>
                 <a:schemeClr val="dk1"/>
               </a:buClr>
-              <a:buSzPts val="1100"/>
+              <a:buSzPts val="1200"/>
               <a:buChar char="●"/>
             </a:pPr>
             <a:r>
-              <a:rPr b="1" lang="en-US" sz="1100">
+              <a:rPr b="1" lang="en-US" sz="1200">
                 <a:solidFill>
                   <a:schemeClr val="dk1"/>
                 </a:solidFill>
@@ -14557,7 +14930,7 @@
               <a:t>Aplicação:</a:t>
             </a:r>
             <a:r>
-              <a:rPr lang="en-US" sz="1100">
+              <a:rPr lang="en-US" sz="1200">
                 <a:solidFill>
                   <a:schemeClr val="dk1"/>
                 </a:solidFill>
@@ -14565,7 +14938,7 @@
               <a:t> As classes DAO (</a:t>
             </a:r>
             <a:r>
-              <a:rPr lang="en-US" sz="1100">
+              <a:rPr lang="en-US" sz="1200">
                 <a:solidFill>
                   <a:srgbClr val="188038"/>
                 </a:solidFill>
@@ -14577,7 +14950,7 @@
               <a:t>PacienteDAO</a:t>
             </a:r>
             <a:r>
-              <a:rPr lang="en-US" sz="1100">
+              <a:rPr lang="en-US" sz="1200">
                 <a:solidFill>
                   <a:schemeClr val="dk1"/>
                 </a:solidFill>
@@ -14585,7 +14958,7 @@
               <a:t>, </a:t>
             </a:r>
             <a:r>
-              <a:rPr lang="en-US" sz="1100">
+              <a:rPr lang="en-US" sz="1200">
                 <a:solidFill>
                   <a:srgbClr val="188038"/>
                 </a:solidFill>
@@ -14597,21 +14970,21 @@
               <a:t>MedicoDAO</a:t>
             </a:r>
             <a:r>
-              <a:rPr lang="en-US" sz="1100">
+              <a:rPr lang="en-US" sz="1200">
                 <a:solidFill>
                   <a:schemeClr val="dk1"/>
                 </a:solidFill>
               </a:rPr>
               <a:t>, etc.) têm a responsabilidade única de interagir com o banco de dados para suas respectivas entidades.</a:t>
             </a:r>
-            <a:endParaRPr sz="1100">
+            <a:endParaRPr sz="1200">
               <a:solidFill>
                 <a:schemeClr val="dk1"/>
               </a:solidFill>
             </a:endParaRPr>
           </a:p>
           <a:p>
-            <a:pPr indent="-298450" lvl="0" marL="457200" rtl="0" algn="just">
+            <a:pPr indent="-304800" lvl="0" marL="457200" rtl="0" algn="just">
               <a:lnSpc>
                 <a:spcPct val="115000"/>
               </a:lnSpc>
@@ -14624,11 +14997,11 @@
               <a:buClr>
                 <a:schemeClr val="dk1"/>
               </a:buClr>
-              <a:buSzPts val="1100"/>
+              <a:buSzPts val="1200"/>
               <a:buChar char="●"/>
             </a:pPr>
             <a:r>
-              <a:rPr b="1" lang="en-US" sz="1100">
+              <a:rPr b="1" lang="en-US" sz="1200">
                 <a:solidFill>
                   <a:schemeClr val="dk1"/>
                 </a:solidFill>
@@ -14636,14 +15009,14 @@
               <a:t>Vantagem:</a:t>
             </a:r>
             <a:r>
-              <a:rPr lang="en-US" sz="1100">
+              <a:rPr lang="en-US" sz="1200">
                 <a:solidFill>
                   <a:schemeClr val="dk1"/>
                 </a:solidFill>
               </a:rPr>
               <a:t> A lógica de negócio não se mistura com a persistência de dados, de modo que mudanças no banco de dados afetam apenas as classes DAO.</a:t>
             </a:r>
-            <a:endParaRPr sz="1100">
+            <a:endParaRPr sz="1200">
               <a:solidFill>
                 <a:schemeClr val="dk1"/>
               </a:solidFill>
@@ -14668,21 +15041,21 @@
               <a:buNone/>
             </a:pPr>
             <a:r>
-              <a:rPr b="1" lang="en-US" sz="1100">
+              <a:rPr b="1" lang="en-US" sz="1200">
                 <a:solidFill>
                   <a:schemeClr val="dk1"/>
                 </a:solidFill>
               </a:rPr>
               <a:t>Princípio Aberto/Fechado (OCP):</a:t>
             </a:r>
-            <a:endParaRPr b="1" sz="1100">
+            <a:endParaRPr b="1" sz="1200">
               <a:solidFill>
                 <a:schemeClr val="dk1"/>
               </a:solidFill>
             </a:endParaRPr>
           </a:p>
           <a:p>
-            <a:pPr indent="-298450" lvl="0" marL="457200" rtl="0" algn="just">
+            <a:pPr indent="-304800" lvl="0" marL="457200" rtl="0" algn="just">
               <a:lnSpc>
                 <a:spcPct val="115000"/>
               </a:lnSpc>
@@ -14695,11 +15068,11 @@
               <a:buClr>
                 <a:schemeClr val="dk1"/>
               </a:buClr>
-              <a:buSzPts val="1100"/>
+              <a:buSzPts val="1200"/>
               <a:buChar char="●"/>
             </a:pPr>
             <a:r>
-              <a:rPr b="1" lang="en-US" sz="1100">
+              <a:rPr b="1" lang="en-US" sz="1200">
                 <a:solidFill>
                   <a:schemeClr val="dk1"/>
                 </a:solidFill>
@@ -14707,7 +15080,7 @@
               <a:t>Aplicação:</a:t>
             </a:r>
             <a:r>
-              <a:rPr lang="en-US" sz="1100">
+              <a:rPr lang="en-US" sz="1200">
                 <a:solidFill>
                   <a:schemeClr val="dk1"/>
                 </a:solidFill>
@@ -14715,7 +15088,7 @@
               <a:t> O sistema é aberto para extensão, mas fechado para modificação. A classe abstrata </a:t>
             </a:r>
             <a:r>
-              <a:rPr lang="en-US" sz="1100">
+              <a:rPr lang="en-US" sz="1200">
                 <a:solidFill>
                   <a:srgbClr val="188038"/>
                 </a:solidFill>
@@ -14727,7 +15100,7 @@
               <a:t>Humano</a:t>
             </a:r>
             <a:r>
-              <a:rPr lang="en-US" sz="1100">
+              <a:rPr lang="en-US" sz="1200">
                 <a:solidFill>
                   <a:schemeClr val="dk1"/>
                 </a:solidFill>
@@ -14735,7 +15108,7 @@
               <a:t> permite adicionar novos tipos de pessoas (ex: "Enfermeiro") criando novas subclasses, sem alterar o código existente da classe </a:t>
             </a:r>
             <a:r>
-              <a:rPr lang="en-US" sz="1100">
+              <a:rPr lang="en-US" sz="1200">
                 <a:solidFill>
                   <a:srgbClr val="188038"/>
                 </a:solidFill>
@@ -14747,21 +15120,21 @@
               <a:t>Humano</a:t>
             </a:r>
             <a:r>
-              <a:rPr lang="en-US" sz="1100">
+              <a:rPr lang="en-US" sz="1200">
                 <a:solidFill>
                   <a:schemeClr val="dk1"/>
                 </a:solidFill>
               </a:rPr>
               <a:t> ou das outras subclasses.</a:t>
             </a:r>
-            <a:endParaRPr sz="1100">
+            <a:endParaRPr sz="1200">
               <a:solidFill>
                 <a:schemeClr val="dk1"/>
               </a:solidFill>
             </a:endParaRPr>
           </a:p>
           <a:p>
-            <a:pPr indent="-298450" lvl="0" marL="457200" rtl="0" algn="just">
+            <a:pPr indent="-304800" lvl="0" marL="457200" rtl="0" algn="just">
               <a:lnSpc>
                 <a:spcPct val="115000"/>
               </a:lnSpc>
@@ -14774,11 +15147,11 @@
               <a:buClr>
                 <a:schemeClr val="dk1"/>
               </a:buClr>
-              <a:buSzPts val="1100"/>
+              <a:buSzPts val="1200"/>
               <a:buChar char="●"/>
             </a:pPr>
             <a:r>
-              <a:rPr b="1" lang="en-US" sz="1100">
+              <a:rPr b="1" lang="en-US" sz="1200">
                 <a:solidFill>
                   <a:schemeClr val="dk1"/>
                 </a:solidFill>
@@ -14786,14 +15159,14 @@
               <a:t>Vantagem:</a:t>
             </a:r>
             <a:r>
-              <a:rPr lang="en-US" sz="1100">
+              <a:rPr lang="en-US" sz="1200">
                 <a:solidFill>
                   <a:schemeClr val="dk1"/>
                 </a:solidFill>
               </a:rPr>
               <a:t> Facilita a adição de novas funcionalidades com baixo impacto no sistema já desenvolvido.</a:t>
             </a:r>
-            <a:endParaRPr sz="1100">
+            <a:endParaRPr sz="1200">
               <a:solidFill>
                 <a:schemeClr val="dk1"/>
               </a:solidFill>
@@ -15096,7 +15469,7 @@
         <p:spPr>
           <a:xfrm>
             <a:off x="899250" y="1679925"/>
-            <a:ext cx="5958600" cy="354000"/>
+            <a:ext cx="5958600" cy="369300"/>
           </a:xfrm>
           <a:prstGeom prst="rect">
             <a:avLst/>
@@ -15122,20 +15495,10 @@
               <a:buNone/>
             </a:pPr>
             <a:r>
-              <a:rPr lang="en-US" sz="1100">
-                <a:latin typeface="Calibri"/>
-                <a:ea typeface="Calibri"/>
-                <a:cs typeface="Calibri"/>
-                <a:sym typeface="Calibri"/>
-              </a:rPr>
+              <a:rPr lang="en-US" sz="1200"/>
               <a:t>Demonstração da interface gráfica do sistema "HospitAll".</a:t>
             </a:r>
-            <a:endParaRPr sz="1100">
-              <a:latin typeface="Calibri"/>
-              <a:ea typeface="Calibri"/>
-              <a:cs typeface="Calibri"/>
-              <a:sym typeface="Calibri"/>
-            </a:endParaRPr>
+            <a:endParaRPr sz="1200"/>
           </a:p>
         </p:txBody>
       </p:sp>
@@ -15497,8 +15860,8 @@
         </p:nvSpPr>
         <p:spPr>
           <a:xfrm>
-            <a:off x="899250" y="1679925"/>
-            <a:ext cx="5958600" cy="354000"/>
+            <a:off x="909125" y="1689800"/>
+            <a:ext cx="5958600" cy="369300"/>
           </a:xfrm>
           <a:prstGeom prst="rect">
             <a:avLst/>
@@ -15524,20 +15887,10 @@
               <a:buNone/>
             </a:pPr>
             <a:r>
-              <a:rPr lang="en-US" sz="1100">
-                <a:latin typeface="Calibri"/>
-                <a:ea typeface="Calibri"/>
-                <a:cs typeface="Calibri"/>
-                <a:sym typeface="Calibri"/>
-              </a:rPr>
+              <a:rPr lang="en-US" sz="1200"/>
               <a:t>Demonstração da interface gráfica do sistema "HospitAll".</a:t>
             </a:r>
-            <a:endParaRPr sz="1100">
-              <a:latin typeface="Calibri"/>
-              <a:ea typeface="Calibri"/>
-              <a:cs typeface="Calibri"/>
-              <a:sym typeface="Calibri"/>
-            </a:endParaRPr>
+            <a:endParaRPr sz="1200"/>
           </a:p>
         </p:txBody>
       </p:sp>
